--- a/SARA Slides Template.pptx
+++ b/SARA Slides Template.pptx
@@ -843,6 +843,59 @@
           </a:extLst>
         </p:spPr>
       </p:pic>
+      <p:sp>
+        <p:nvSpPr>
+          <p:cNvPr id="5" name="TextBox 4">
+            <a:extLst>
+              <a:ext uri="{FF2B5EF4-FFF2-40B4-BE49-F238E27FC236}">
+                <a16:creationId xmlns:a16="http://schemas.microsoft.com/office/drawing/2014/main" id="{6B02006E-61E5-E898-33C8-3D315EA27072}"/>
+              </a:ext>
+            </a:extLst>
+          </p:cNvPr>
+          <p:cNvSpPr txBox="1"/>
+          <p:nvPr userDrawn="1"/>
+        </p:nvSpPr>
+        <p:spPr>
+          <a:xfrm>
+            <a:off x="198330" y="75093"/>
+            <a:ext cx="3623378" cy="707886"/>
+          </a:xfrm>
+          <a:prstGeom prst="rect">
+            <a:avLst/>
+          </a:prstGeom>
+          <a:noFill/>
+        </p:spPr>
+        <p:txBody>
+          <a:bodyPr wrap="square" anchor="ctr">
+            <a:spAutoFit/>
+          </a:bodyPr>
+          <a:lstStyle/>
+          <a:p>
+            <a:r>
+              <a:rPr lang="en-US" sz="2000" b="1" dirty="0">
+                <a:solidFill>
+                  <a:srgbClr val="FFFFFF"/>
+                </a:solidFill>
+                <a:latin typeface="Californian FB" panose="020F0502020204030204" pitchFamily="34" charset="0"/>
+                <a:cs typeface="Californian FB" panose="020F0502020204030204" pitchFamily="34" charset="0"/>
+              </a:rPr>
+              <a:t>Surgical Artificial Intelligence </a:t>
+            </a:r>
+          </a:p>
+          <a:p>
+            <a:r>
+              <a:rPr lang="en-US" sz="2000" b="1" dirty="0">
+                <a:solidFill>
+                  <a:srgbClr val="FFFFFF"/>
+                </a:solidFill>
+                <a:latin typeface="Californian FB" panose="020F0502020204030204" pitchFamily="34" charset="0"/>
+                <a:cs typeface="Californian FB" panose="020F0502020204030204" pitchFamily="34" charset="0"/>
+              </a:rPr>
+              <a:t>Research Academy</a:t>
+            </a:r>
+          </a:p>
+        </p:txBody>
+      </p:sp>
     </p:spTree>
     <p:extLst>
       <p:ext uri="{BB962C8B-B14F-4D97-AF65-F5344CB8AC3E}">

--- a/SARA Slides Template.pptx
+++ b/SARA Slides Template.pptx
@@ -5,8 +5,14 @@
     <p:sldMasterId id="2147483648" r:id="rId1"/>
   </p:sldMasterIdLst>
   <p:notesMasterIdLst>
-    <p:notesMasterId r:id="rId2"/>
+    <p:notesMasterId r:id="rId6"/>
   </p:notesMasterIdLst>
+  <p:sldIdLst>
+    <p:sldId id="256" r:id="rId2"/>
+    <p:sldId id="257" r:id="rId3"/>
+    <p:sldId id="258" r:id="rId4"/>
+    <p:sldId id="259" r:id="rId5"/>
+  </p:sldIdLst>
   <p:sldSz cx="12192000" cy="6858000"/>
   <p:notesSz cx="6858000" cy="9144000"/>
   <p:defaultTextStyle>
@@ -478,45 +484,6 @@
           <a:chExt cx="0" cy="0"/>
         </a:xfrm>
       </p:grpSpPr>
-      <p:pic>
-        <p:nvPicPr>
-          <p:cNvPr id="43" name="Picture 42" descr="A blue and orange letter a&#10;&#10;AI-generated content may be incorrect.">
-            <a:extLst>
-              <a:ext uri="{FF2B5EF4-FFF2-40B4-BE49-F238E27FC236}">
-                <a16:creationId xmlns:a16="http://schemas.microsoft.com/office/drawing/2014/main" id="{5FDFBCB3-1CAD-09F6-95A7-0D2F084A8446}"/>
-              </a:ext>
-            </a:extLst>
-          </p:cNvPr>
-          <p:cNvPicPr>
-            <a:picLocks noChangeAspect="1"/>
-          </p:cNvPicPr>
-          <p:nvPr userDrawn="1"/>
-        </p:nvPicPr>
-        <p:blipFill>
-          <a:blip r:embed="rId2">
-            <a:duotone>
-              <a:schemeClr val="bg2">
-                <a:shade val="45000"/>
-                <a:satMod val="135000"/>
-              </a:schemeClr>
-              <a:prstClr val="white"/>
-            </a:duotone>
-            <a:alphaModFix amt="35000"/>
-          </a:blip>
-          <a:stretch>
-            <a:fillRect/>
-          </a:stretch>
-        </p:blipFill>
-        <p:spPr>
-          <a:xfrm>
-            <a:off x="5984111" y="5276396"/>
-            <a:ext cx="6044378" cy="1410681"/>
-          </a:xfrm>
-          <a:prstGeom prst="rect">
-            <a:avLst/>
-          </a:prstGeom>
-        </p:spPr>
-      </p:pic>
       <p:sp>
         <p:nvSpPr>
           <p:cNvPr id="24" name="Rectangle 23">
@@ -810,7 +777,7 @@
           <p:nvPr userDrawn="1"/>
         </p:nvPicPr>
         <p:blipFill>
-          <a:blip r:embed="rId3">
+          <a:blip r:embed="rId2">
             <a:biLevel thresh="25000"/>
             <a:extLst>
               <a:ext uri="{28A0092B-C50C-407E-A947-70E740481C1C}">
@@ -896,6 +863,38 @@
           </a:p>
         </p:txBody>
       </p:sp>
+      <p:pic>
+        <p:nvPicPr>
+          <p:cNvPr id="6" name="Picture 5" descr="A close-up of a logo&#10;&#10;AI-generated content may be incorrect.">
+            <a:extLst>
+              <a:ext uri="{FF2B5EF4-FFF2-40B4-BE49-F238E27FC236}">
+                <a16:creationId xmlns:a16="http://schemas.microsoft.com/office/drawing/2014/main" id="{381ABF2D-ECCD-88D9-7C82-C0EA1DC1A6BF}"/>
+              </a:ext>
+            </a:extLst>
+          </p:cNvPr>
+          <p:cNvPicPr>
+            <a:picLocks noChangeAspect="1"/>
+          </p:cNvPicPr>
+          <p:nvPr userDrawn="1"/>
+        </p:nvPicPr>
+        <p:blipFill>
+          <a:blip r:embed="rId3">
+            <a:alphaModFix amt="25000"/>
+          </a:blip>
+          <a:stretch>
+            <a:fillRect/>
+          </a:stretch>
+        </p:blipFill>
+        <p:spPr>
+          <a:xfrm>
+            <a:off x="7023977" y="4313586"/>
+            <a:ext cx="5078572" cy="2385390"/>
+          </a:xfrm>
+          <a:prstGeom prst="rect">
+            <a:avLst/>
+          </a:prstGeom>
+        </p:spPr>
+      </p:pic>
     </p:spTree>
     <p:extLst>
       <p:ext uri="{BB962C8B-B14F-4D97-AF65-F5344CB8AC3E}">
@@ -2414,6 +2413,475 @@
     </p:otherStyle>
   </p:txStyles>
 </p:sldMaster>
+</file>
+
+<file path=ppt/slides/slide1.xml><?xml version="1.0" encoding="utf-8"?>
+<p:sld xmlns:a="http://schemas.openxmlformats.org/drawingml/2006/main" xmlns:r="http://schemas.openxmlformats.org/officeDocument/2006/relationships" xmlns:p="http://schemas.openxmlformats.org/presentationml/2006/main">
+  <p:cSld>
+    <p:spTree>
+      <p:nvGrpSpPr>
+        <p:cNvPr id="1" name=""/>
+        <p:cNvGrpSpPr/>
+        <p:nvPr/>
+      </p:nvGrpSpPr>
+      <p:grpSpPr>
+        <a:xfrm>
+          <a:off x="0" y="0"/>
+          <a:ext cx="0" cy="0"/>
+          <a:chOff x="0" y="0"/>
+          <a:chExt cx="0" cy="0"/>
+        </a:xfrm>
+      </p:grpSpPr>
+      <p:sp>
+        <p:nvSpPr>
+          <p:cNvPr id="2" name="Title 1">
+            <a:extLst>
+              <a:ext uri="{FF2B5EF4-FFF2-40B4-BE49-F238E27FC236}">
+                <a16:creationId xmlns:a16="http://schemas.microsoft.com/office/drawing/2014/main" id="{E2A23DBA-AD41-4430-81B2-78E161444193}"/>
+              </a:ext>
+            </a:extLst>
+          </p:cNvPr>
+          <p:cNvSpPr>
+            <a:spLocks noGrp="1"/>
+          </p:cNvSpPr>
+          <p:nvPr>
+            <p:ph type="ctrTitle"/>
+          </p:nvPr>
+        </p:nvSpPr>
+        <p:spPr/>
+        <p:txBody>
+          <a:bodyPr/>
+          <a:lstStyle/>
+          <a:p>
+            <a:endParaRPr lang="en-US"/>
+          </a:p>
+        </p:txBody>
+      </p:sp>
+      <p:sp>
+        <p:nvSpPr>
+          <p:cNvPr id="3" name="Subtitle 2">
+            <a:extLst>
+              <a:ext uri="{FF2B5EF4-FFF2-40B4-BE49-F238E27FC236}">
+                <a16:creationId xmlns:a16="http://schemas.microsoft.com/office/drawing/2014/main" id="{FD9735E4-E295-A29A-2C36-219AE4B5D467}"/>
+              </a:ext>
+            </a:extLst>
+          </p:cNvPr>
+          <p:cNvSpPr>
+            <a:spLocks noGrp="1"/>
+          </p:cNvSpPr>
+          <p:nvPr>
+            <p:ph type="subTitle" idx="1"/>
+          </p:nvPr>
+        </p:nvSpPr>
+        <p:spPr/>
+        <p:txBody>
+          <a:bodyPr/>
+          <a:lstStyle/>
+          <a:p>
+            <a:endParaRPr lang="en-US"/>
+          </a:p>
+        </p:txBody>
+      </p:sp>
+      <p:sp>
+        <p:nvSpPr>
+          <p:cNvPr id="4" name="Text Placeholder 3">
+            <a:extLst>
+              <a:ext uri="{FF2B5EF4-FFF2-40B4-BE49-F238E27FC236}">
+                <a16:creationId xmlns:a16="http://schemas.microsoft.com/office/drawing/2014/main" id="{B8EBA07C-699A-D7D5-3252-CF10A9EA1F7E}"/>
+              </a:ext>
+            </a:extLst>
+          </p:cNvPr>
+          <p:cNvSpPr>
+            <a:spLocks noGrp="1"/>
+          </p:cNvSpPr>
+          <p:nvPr>
+            <p:ph type="body" sz="quarter" idx="10"/>
+          </p:nvPr>
+        </p:nvSpPr>
+        <p:spPr/>
+        <p:txBody>
+          <a:bodyPr/>
+          <a:lstStyle/>
+          <a:p>
+            <a:endParaRPr lang="en-US"/>
+          </a:p>
+        </p:txBody>
+      </p:sp>
+    </p:spTree>
+    <p:extLst>
+      <p:ext uri="{BB962C8B-B14F-4D97-AF65-F5344CB8AC3E}">
+        <p14:creationId xmlns:p14="http://schemas.microsoft.com/office/powerpoint/2010/main" val="1249029357"/>
+      </p:ext>
+    </p:extLst>
+  </p:cSld>
+  <p:clrMapOvr>
+    <a:masterClrMapping/>
+  </p:clrMapOvr>
+</p:sld>
+</file>
+
+<file path=ppt/slides/slide2.xml><?xml version="1.0" encoding="utf-8"?>
+<p:sld xmlns:a="http://schemas.openxmlformats.org/drawingml/2006/main" xmlns:r="http://schemas.openxmlformats.org/officeDocument/2006/relationships" xmlns:p="http://schemas.openxmlformats.org/presentationml/2006/main">
+  <p:cSld>
+    <p:spTree>
+      <p:nvGrpSpPr>
+        <p:cNvPr id="1" name=""/>
+        <p:cNvGrpSpPr/>
+        <p:nvPr/>
+      </p:nvGrpSpPr>
+      <p:grpSpPr>
+        <a:xfrm>
+          <a:off x="0" y="0"/>
+          <a:ext cx="0" cy="0"/>
+          <a:chOff x="0" y="0"/>
+          <a:chExt cx="0" cy="0"/>
+        </a:xfrm>
+      </p:grpSpPr>
+      <p:sp>
+        <p:nvSpPr>
+          <p:cNvPr id="2" name="Title 1">
+            <a:extLst>
+              <a:ext uri="{FF2B5EF4-FFF2-40B4-BE49-F238E27FC236}">
+                <a16:creationId xmlns:a16="http://schemas.microsoft.com/office/drawing/2014/main" id="{26BA840A-B466-21DC-4E31-9715389B034D}"/>
+              </a:ext>
+            </a:extLst>
+          </p:cNvPr>
+          <p:cNvSpPr>
+            <a:spLocks noGrp="1"/>
+          </p:cNvSpPr>
+          <p:nvPr>
+            <p:ph type="title"/>
+          </p:nvPr>
+        </p:nvSpPr>
+        <p:spPr/>
+        <p:txBody>
+          <a:bodyPr/>
+          <a:lstStyle/>
+          <a:p>
+            <a:endParaRPr lang="en-US"/>
+          </a:p>
+        </p:txBody>
+      </p:sp>
+      <p:sp>
+        <p:nvSpPr>
+          <p:cNvPr id="3" name="Date Placeholder 2">
+            <a:extLst>
+              <a:ext uri="{FF2B5EF4-FFF2-40B4-BE49-F238E27FC236}">
+                <a16:creationId xmlns:a16="http://schemas.microsoft.com/office/drawing/2014/main" id="{565135C7-2975-9424-E2EE-A2416E9D675C}"/>
+              </a:ext>
+            </a:extLst>
+          </p:cNvPr>
+          <p:cNvSpPr>
+            <a:spLocks noGrp="1"/>
+          </p:cNvSpPr>
+          <p:nvPr>
+            <p:ph type="dt" sz="half" idx="10"/>
+          </p:nvPr>
+        </p:nvSpPr>
+        <p:spPr/>
+        <p:txBody>
+          <a:bodyPr/>
+          <a:lstStyle/>
+          <a:p>
+            <a:fld id="{0104E1BB-88F2-6342-9D12-4A6B224ACCA4}" type="datetime4">
+              <a:rPr lang="en-CA" smtClean="0"/>
+              <a:t>January 29, 2025</a:t>
+            </a:fld>
+            <a:endParaRPr lang="en-US" dirty="0"/>
+          </a:p>
+        </p:txBody>
+      </p:sp>
+      <p:sp>
+        <p:nvSpPr>
+          <p:cNvPr id="4" name="Slide Number Placeholder 3">
+            <a:extLst>
+              <a:ext uri="{FF2B5EF4-FFF2-40B4-BE49-F238E27FC236}">
+                <a16:creationId xmlns:a16="http://schemas.microsoft.com/office/drawing/2014/main" id="{C4F7BE70-192A-29E4-95AC-5F0F594EBA7A}"/>
+              </a:ext>
+            </a:extLst>
+          </p:cNvPr>
+          <p:cNvSpPr>
+            <a:spLocks noGrp="1"/>
+          </p:cNvSpPr>
+          <p:nvPr>
+            <p:ph type="sldNum" sz="quarter" idx="12"/>
+          </p:nvPr>
+        </p:nvSpPr>
+        <p:spPr/>
+        <p:txBody>
+          <a:bodyPr/>
+          <a:lstStyle/>
+          <a:p>
+            <a:fld id="{DBEEFC5C-AA33-4545-B780-35961B22B7ED}" type="slidenum">
+              <a:rPr lang="en-US" smtClean="0"/>
+              <a:t>2</a:t>
+            </a:fld>
+            <a:endParaRPr lang="en-US"/>
+          </a:p>
+        </p:txBody>
+      </p:sp>
+    </p:spTree>
+    <p:extLst>
+      <p:ext uri="{BB962C8B-B14F-4D97-AF65-F5344CB8AC3E}">
+        <p14:creationId xmlns:p14="http://schemas.microsoft.com/office/powerpoint/2010/main" val="4084340862"/>
+      </p:ext>
+    </p:extLst>
+  </p:cSld>
+  <p:clrMapOvr>
+    <a:masterClrMapping/>
+  </p:clrMapOvr>
+</p:sld>
+</file>
+
+<file path=ppt/slides/slide3.xml><?xml version="1.0" encoding="utf-8"?>
+<p:sld xmlns:a="http://schemas.openxmlformats.org/drawingml/2006/main" xmlns:r="http://schemas.openxmlformats.org/officeDocument/2006/relationships" xmlns:p="http://schemas.openxmlformats.org/presentationml/2006/main">
+  <p:cSld>
+    <p:spTree>
+      <p:nvGrpSpPr>
+        <p:cNvPr id="1" name=""/>
+        <p:cNvGrpSpPr/>
+        <p:nvPr/>
+      </p:nvGrpSpPr>
+      <p:grpSpPr>
+        <a:xfrm>
+          <a:off x="0" y="0"/>
+          <a:ext cx="0" cy="0"/>
+          <a:chOff x="0" y="0"/>
+          <a:chExt cx="0" cy="0"/>
+        </a:xfrm>
+      </p:grpSpPr>
+      <p:sp>
+        <p:nvSpPr>
+          <p:cNvPr id="2" name="Title 1">
+            <a:extLst>
+              <a:ext uri="{FF2B5EF4-FFF2-40B4-BE49-F238E27FC236}">
+                <a16:creationId xmlns:a16="http://schemas.microsoft.com/office/drawing/2014/main" id="{89399797-F594-D475-9D0D-3E2EBFD6731E}"/>
+              </a:ext>
+            </a:extLst>
+          </p:cNvPr>
+          <p:cNvSpPr>
+            <a:spLocks noGrp="1"/>
+          </p:cNvSpPr>
+          <p:nvPr>
+            <p:ph type="title"/>
+          </p:nvPr>
+        </p:nvSpPr>
+        <p:spPr/>
+        <p:txBody>
+          <a:bodyPr/>
+          <a:lstStyle/>
+          <a:p>
+            <a:endParaRPr lang="en-US"/>
+          </a:p>
+        </p:txBody>
+      </p:sp>
+      <p:sp>
+        <p:nvSpPr>
+          <p:cNvPr id="3" name="Text Placeholder 2">
+            <a:extLst>
+              <a:ext uri="{FF2B5EF4-FFF2-40B4-BE49-F238E27FC236}">
+                <a16:creationId xmlns:a16="http://schemas.microsoft.com/office/drawing/2014/main" id="{E5624886-5849-C420-BD15-97CF2F5386D9}"/>
+              </a:ext>
+            </a:extLst>
+          </p:cNvPr>
+          <p:cNvSpPr>
+            <a:spLocks noGrp="1"/>
+          </p:cNvSpPr>
+          <p:nvPr>
+            <p:ph type="body" sz="half" idx="2"/>
+          </p:nvPr>
+        </p:nvSpPr>
+        <p:spPr/>
+        <p:txBody>
+          <a:bodyPr/>
+          <a:lstStyle/>
+          <a:p>
+            <a:endParaRPr lang="en-US"/>
+          </a:p>
+        </p:txBody>
+      </p:sp>
+      <p:sp>
+        <p:nvSpPr>
+          <p:cNvPr id="4" name="Date Placeholder 3">
+            <a:extLst>
+              <a:ext uri="{FF2B5EF4-FFF2-40B4-BE49-F238E27FC236}">
+                <a16:creationId xmlns:a16="http://schemas.microsoft.com/office/drawing/2014/main" id="{EB399D72-F39C-F3F5-5765-7E5CE50EF03F}"/>
+              </a:ext>
+            </a:extLst>
+          </p:cNvPr>
+          <p:cNvSpPr>
+            <a:spLocks noGrp="1"/>
+          </p:cNvSpPr>
+          <p:nvPr>
+            <p:ph type="dt" sz="half" idx="10"/>
+          </p:nvPr>
+        </p:nvSpPr>
+        <p:spPr/>
+        <p:txBody>
+          <a:bodyPr/>
+          <a:lstStyle/>
+          <a:p>
+            <a:fld id="{F97B3665-1C01-C047-B9CB-4AE668ED9C2F}" type="datetime4">
+              <a:rPr lang="en-CA" smtClean="0"/>
+              <a:t>January 29, 2025</a:t>
+            </a:fld>
+            <a:endParaRPr lang="en-US"/>
+          </a:p>
+        </p:txBody>
+      </p:sp>
+      <p:sp>
+        <p:nvSpPr>
+          <p:cNvPr id="5" name="Slide Number Placeholder 4">
+            <a:extLst>
+              <a:ext uri="{FF2B5EF4-FFF2-40B4-BE49-F238E27FC236}">
+                <a16:creationId xmlns:a16="http://schemas.microsoft.com/office/drawing/2014/main" id="{A26E37F2-C88D-F443-1A5E-970EAB72814C}"/>
+              </a:ext>
+            </a:extLst>
+          </p:cNvPr>
+          <p:cNvSpPr>
+            <a:spLocks noGrp="1"/>
+          </p:cNvSpPr>
+          <p:nvPr>
+            <p:ph type="sldNum" sz="quarter" idx="12"/>
+          </p:nvPr>
+        </p:nvSpPr>
+        <p:spPr/>
+        <p:txBody>
+          <a:bodyPr/>
+          <a:lstStyle/>
+          <a:p>
+            <a:fld id="{DBEEFC5C-AA33-4545-B780-35961B22B7ED}" type="slidenum">
+              <a:rPr lang="en-US" smtClean="0"/>
+              <a:t>3</a:t>
+            </a:fld>
+            <a:endParaRPr lang="en-US"/>
+          </a:p>
+        </p:txBody>
+      </p:sp>
+      <p:sp>
+        <p:nvSpPr>
+          <p:cNvPr id="6" name="Picture Placeholder 5">
+            <a:extLst>
+              <a:ext uri="{FF2B5EF4-FFF2-40B4-BE49-F238E27FC236}">
+                <a16:creationId xmlns:a16="http://schemas.microsoft.com/office/drawing/2014/main" id="{FBA79EAF-EED8-68AE-69C0-BC9B26A64EC7}"/>
+              </a:ext>
+            </a:extLst>
+          </p:cNvPr>
+          <p:cNvSpPr>
+            <a:spLocks noGrp="1"/>
+          </p:cNvSpPr>
+          <p:nvPr>
+            <p:ph type="pic" sz="quarter" idx="13"/>
+          </p:nvPr>
+        </p:nvSpPr>
+        <p:spPr/>
+        <p:txBody>
+          <a:bodyPr/>
+          <a:lstStyle/>
+          <a:p>
+            <a:endParaRPr lang="en-US"/>
+          </a:p>
+        </p:txBody>
+      </p:sp>
+    </p:spTree>
+    <p:extLst>
+      <p:ext uri="{BB962C8B-B14F-4D97-AF65-F5344CB8AC3E}">
+        <p14:creationId xmlns:p14="http://schemas.microsoft.com/office/powerpoint/2010/main" val="1948128204"/>
+      </p:ext>
+    </p:extLst>
+  </p:cSld>
+  <p:clrMapOvr>
+    <a:masterClrMapping/>
+  </p:clrMapOvr>
+</p:sld>
+</file>
+
+<file path=ppt/slides/slide4.xml><?xml version="1.0" encoding="utf-8"?>
+<p:sld xmlns:a="http://schemas.openxmlformats.org/drawingml/2006/main" xmlns:r="http://schemas.openxmlformats.org/officeDocument/2006/relationships" xmlns:p="http://schemas.openxmlformats.org/presentationml/2006/main">
+  <p:cSld>
+    <p:spTree>
+      <p:nvGrpSpPr>
+        <p:cNvPr id="1" name=""/>
+        <p:cNvGrpSpPr/>
+        <p:nvPr/>
+      </p:nvGrpSpPr>
+      <p:grpSpPr>
+        <a:xfrm>
+          <a:off x="0" y="0"/>
+          <a:ext cx="0" cy="0"/>
+          <a:chOff x="0" y="0"/>
+          <a:chExt cx="0" cy="0"/>
+        </a:xfrm>
+      </p:grpSpPr>
+      <p:sp>
+        <p:nvSpPr>
+          <p:cNvPr id="2" name="Date Placeholder 1">
+            <a:extLst>
+              <a:ext uri="{FF2B5EF4-FFF2-40B4-BE49-F238E27FC236}">
+                <a16:creationId xmlns:a16="http://schemas.microsoft.com/office/drawing/2014/main" id="{6590A8C3-60A6-B929-C86B-B665F5D95ACC}"/>
+              </a:ext>
+            </a:extLst>
+          </p:cNvPr>
+          <p:cNvSpPr>
+            <a:spLocks noGrp="1"/>
+          </p:cNvSpPr>
+          <p:nvPr>
+            <p:ph type="dt" sz="half" idx="10"/>
+          </p:nvPr>
+        </p:nvSpPr>
+        <p:spPr/>
+        <p:txBody>
+          <a:bodyPr/>
+          <a:lstStyle/>
+          <a:p>
+            <a:fld id="{E60336F6-6996-EA40-8DE0-E1DBE21B7803}" type="datetime4">
+              <a:rPr lang="en-CA" smtClean="0"/>
+              <a:t>January 29, 2025</a:t>
+            </a:fld>
+            <a:endParaRPr lang="en-US"/>
+          </a:p>
+        </p:txBody>
+      </p:sp>
+      <p:sp>
+        <p:nvSpPr>
+          <p:cNvPr id="3" name="Slide Number Placeholder 2">
+            <a:extLst>
+              <a:ext uri="{FF2B5EF4-FFF2-40B4-BE49-F238E27FC236}">
+                <a16:creationId xmlns:a16="http://schemas.microsoft.com/office/drawing/2014/main" id="{25619FFA-3B62-84C4-CB3A-995432D7ECA1}"/>
+              </a:ext>
+            </a:extLst>
+          </p:cNvPr>
+          <p:cNvSpPr>
+            <a:spLocks noGrp="1"/>
+          </p:cNvSpPr>
+          <p:nvPr>
+            <p:ph type="sldNum" sz="quarter" idx="12"/>
+          </p:nvPr>
+        </p:nvSpPr>
+        <p:spPr/>
+        <p:txBody>
+          <a:bodyPr/>
+          <a:lstStyle/>
+          <a:p>
+            <a:fld id="{DBEEFC5C-AA33-4545-B780-35961B22B7ED}" type="slidenum">
+              <a:rPr lang="en-US" smtClean="0"/>
+              <a:t>4</a:t>
+            </a:fld>
+            <a:endParaRPr lang="en-US"/>
+          </a:p>
+        </p:txBody>
+      </p:sp>
+    </p:spTree>
+    <p:extLst>
+      <p:ext uri="{BB962C8B-B14F-4D97-AF65-F5344CB8AC3E}">
+        <p14:creationId xmlns:p14="http://schemas.microsoft.com/office/powerpoint/2010/main" val="4016170206"/>
+      </p:ext>
+    </p:extLst>
+  </p:cSld>
+  <p:clrMapOvr>
+    <a:masterClrMapping/>
+  </p:clrMapOvr>
+</p:sld>
 </file>
 
 <file path=ppt/theme/theme1.xml><?xml version="1.0" encoding="utf-8"?>

--- a/SARA Slides Template.pptx
+++ b/SARA Slides Template.pptx
@@ -8,7 +8,7 @@
     <p:notesMasterId r:id="rId6"/>
   </p:notesMasterIdLst>
   <p:sldIdLst>
-    <p:sldId id="256" r:id="rId2"/>
+    <p:sldId id="261" r:id="rId2"/>
     <p:sldId id="257" r:id="rId3"/>
     <p:sldId id="258" r:id="rId4"/>
     <p:sldId id="259" r:id="rId5"/>
@@ -200,7 +200,7 @@
           <a:p>
             <a:fld id="{321DB769-71FC-E044-8239-29F2D758B406}" type="datetimeFigureOut">
               <a:rPr lang="en-US" smtClean="0"/>
-              <a:t>1/29/25</a:t>
+              <a:t>2/4/25</a:t>
             </a:fld>
             <a:endParaRPr lang="en-US"/>
           </a:p>
@@ -556,7 +556,7 @@
         </p:nvSpPr>
         <p:spPr>
           <a:xfrm>
-            <a:off x="838200" y="1176971"/>
+            <a:off x="838200" y="1087520"/>
             <a:ext cx="9144000" cy="1788298"/>
           </a:xfrm>
         </p:spPr>
@@ -598,7 +598,7 @@
         </p:nvSpPr>
         <p:spPr>
           <a:xfrm>
-            <a:off x="838200" y="3057344"/>
+            <a:off x="838200" y="2967893"/>
             <a:ext cx="9144000" cy="1788298"/>
           </a:xfrm>
         </p:spPr>
@@ -879,7 +879,7 @@
         </p:nvPicPr>
         <p:blipFill>
           <a:blip r:embed="rId3">
-            <a:alphaModFix amt="25000"/>
+            <a:alphaModFix amt="20000"/>
           </a:blip>
           <a:stretch>
             <a:fillRect/>
@@ -887,8 +887,8 @@
         </p:blipFill>
         <p:spPr>
           <a:xfrm>
-            <a:off x="7023977" y="4313586"/>
-            <a:ext cx="5078572" cy="2385390"/>
+            <a:off x="7023977" y="4430595"/>
+            <a:ext cx="5168023" cy="2427405"/>
           </a:xfrm>
           <a:prstGeom prst="rect">
             <a:avLst/>
@@ -1043,7 +1043,7 @@
           <a:p>
             <a:fld id="{0104E1BB-88F2-6342-9D12-4A6B224ACCA4}" type="datetime4">
               <a:rPr lang="en-CA" smtClean="0"/>
-              <a:t>January 29, 2025</a:t>
+              <a:t>February 4, 2025</a:t>
             </a:fld>
             <a:endParaRPr lang="en-US" dirty="0"/>
           </a:p>
@@ -1427,7 +1427,7 @@
           <a:p>
             <a:fld id="{F97B3665-1C01-C047-B9CB-4AE668ED9C2F}" type="datetime4">
               <a:rPr lang="en-CA" smtClean="0"/>
-              <a:t>January 29, 2025</a:t>
+              <a:t>February 4, 2025</a:t>
             </a:fld>
             <a:endParaRPr lang="en-US"/>
           </a:p>
@@ -1679,7 +1679,7 @@
           <a:p>
             <a:fld id="{E60336F6-6996-EA40-8DE0-E1DBE21B7803}" type="datetime4">
               <a:rPr lang="en-CA" smtClean="0"/>
-              <a:t>January 29, 2025</a:t>
+              <a:t>February 4, 2025</a:t>
             </a:fld>
             <a:endParaRPr lang="en-US"/>
           </a:p>
@@ -2021,7 +2021,7 @@
           <a:p>
             <a:fld id="{9DDC8825-30A9-CB45-9C5B-BA1E0D83DE61}" type="datetime4">
               <a:rPr lang="en-CA" smtClean="0"/>
-              <a:t>January 29, 2025</a:t>
+              <a:t>February 4, 2025</a:t>
             </a:fld>
             <a:endParaRPr lang="en-US"/>
           </a:p>
@@ -2437,7 +2437,7 @@
           <p:cNvPr id="2" name="Title 1">
             <a:extLst>
               <a:ext uri="{FF2B5EF4-FFF2-40B4-BE49-F238E27FC236}">
-                <a16:creationId xmlns:a16="http://schemas.microsoft.com/office/drawing/2014/main" id="{E2A23DBA-AD41-4430-81B2-78E161444193}"/>
+                <a16:creationId xmlns:a16="http://schemas.microsoft.com/office/drawing/2014/main" id="{0A02065F-2D1D-724A-F05D-2DC49E3F0A52}"/>
               </a:ext>
             </a:extLst>
           </p:cNvPr>
@@ -2462,7 +2462,7 @@
           <p:cNvPr id="3" name="Subtitle 2">
             <a:extLst>
               <a:ext uri="{FF2B5EF4-FFF2-40B4-BE49-F238E27FC236}">
-                <a16:creationId xmlns:a16="http://schemas.microsoft.com/office/drawing/2014/main" id="{FD9735E4-E295-A29A-2C36-219AE4B5D467}"/>
+                <a16:creationId xmlns:a16="http://schemas.microsoft.com/office/drawing/2014/main" id="{CB4DB350-CD1E-F2C0-B0E5-3E221086F2DC}"/>
               </a:ext>
             </a:extLst>
           </p:cNvPr>
@@ -2487,7 +2487,7 @@
           <p:cNvPr id="4" name="Text Placeholder 3">
             <a:extLst>
               <a:ext uri="{FF2B5EF4-FFF2-40B4-BE49-F238E27FC236}">
-                <a16:creationId xmlns:a16="http://schemas.microsoft.com/office/drawing/2014/main" id="{B8EBA07C-699A-D7D5-3252-CF10A9EA1F7E}"/>
+                <a16:creationId xmlns:a16="http://schemas.microsoft.com/office/drawing/2014/main" id="{E1F25CE7-A542-96FD-8277-2B28BA18B772}"/>
               </a:ext>
             </a:extLst>
           </p:cNvPr>
@@ -2510,7 +2510,7 @@
     </p:spTree>
     <p:extLst>
       <p:ext uri="{BB962C8B-B14F-4D97-AF65-F5344CB8AC3E}">
-        <p14:creationId xmlns:p14="http://schemas.microsoft.com/office/powerpoint/2010/main" val="1249029357"/>
+        <p14:creationId xmlns:p14="http://schemas.microsoft.com/office/powerpoint/2010/main" val="2569858647"/>
       </p:ext>
     </p:extLst>
   </p:cSld>
@@ -2585,7 +2585,7 @@
           <a:p>
             <a:fld id="{0104E1BB-88F2-6342-9D12-4A6B224ACCA4}" type="datetime4">
               <a:rPr lang="en-CA" smtClean="0"/>
-              <a:t>January 29, 2025</a:t>
+              <a:t>February 4, 2025</a:t>
             </a:fld>
             <a:endParaRPr lang="en-US" dirty="0"/>
           </a:p>
@@ -2723,7 +2723,7 @@
           <a:p>
             <a:fld id="{F97B3665-1C01-C047-B9CB-4AE668ED9C2F}" type="datetime4">
               <a:rPr lang="en-CA" smtClean="0"/>
-              <a:t>January 29, 2025</a:t>
+              <a:t>February 4, 2025</a:t>
             </a:fld>
             <a:endParaRPr lang="en-US"/>
           </a:p>
@@ -2836,7 +2836,7 @@
           <a:p>
             <a:fld id="{E60336F6-6996-EA40-8DE0-E1DBE21B7803}" type="datetime4">
               <a:rPr lang="en-CA" smtClean="0"/>
-              <a:t>January 29, 2025</a:t>
+              <a:t>February 4, 2025</a:t>
             </a:fld>
             <a:endParaRPr lang="en-US"/>
           </a:p>
